--- a/Course Materials/Chapter04_Regression.pptx
+++ b/Course Materials/Chapter04_Regression.pptx
@@ -5,7 +5,7 @@
     <p:sldMasterId id="2147483648" r:id="rId4"/>
   </p:sldMasterIdLst>
   <p:notesMasterIdLst>
-    <p:notesMasterId r:id="rId20"/>
+    <p:notesMasterId r:id="rId21"/>
   </p:notesMasterIdLst>
   <p:sldIdLst>
     <p:sldId id="301" r:id="rId5"/>
@@ -23,6 +23,7 @@
     <p:sldId id="314" r:id="rId17"/>
     <p:sldId id="315" r:id="rId18"/>
     <p:sldId id="305" r:id="rId19"/>
+    <p:sldId id="350" r:id="rId20"/>
   </p:sldIdLst>
   <p:sldSz cx="12192000" cy="6858000"/>
   <p:notesSz cx="6858000" cy="9144000"/>
@@ -9601,6 +9602,100 @@
     <p:extLst>
       <p:ext uri="{BB962C8B-B14F-4D97-AF65-F5344CB8AC3E}">
         <p14:creationId xmlns:p14="http://schemas.microsoft.com/office/powerpoint/2010/main" val="1596511536"/>
+      </p:ext>
+    </p:extLst>
+  </p:cSld>
+  <p:clrMapOvr>
+    <a:masterClrMapping/>
+  </p:clrMapOvr>
+</p:sld>
+</file>
+
+<file path=ppt/slides/slide16.xml><?xml version="1.0" encoding="utf-8"?>
+<p:sld xmlns:a="http://schemas.openxmlformats.org/drawingml/2006/main" xmlns:r="http://schemas.openxmlformats.org/officeDocument/2006/relationships" xmlns:p="http://schemas.openxmlformats.org/presentationml/2006/main">
+  <p:cSld>
+    <p:spTree>
+      <p:nvGrpSpPr>
+        <p:cNvPr id="1" name=""/>
+        <p:cNvGrpSpPr/>
+        <p:nvPr/>
+      </p:nvGrpSpPr>
+      <p:grpSpPr>
+        <a:xfrm>
+          <a:off x="0" y="0"/>
+          <a:ext cx="0" cy="0"/>
+          <a:chOff x="0" y="0"/>
+          <a:chExt cx="0" cy="0"/>
+        </a:xfrm>
+      </p:grpSpPr>
+      <p:sp>
+        <p:nvSpPr>
+          <p:cNvPr id="4" name="제목 3">
+            <a:extLst>
+              <a:ext uri="{FF2B5EF4-FFF2-40B4-BE49-F238E27FC236}">
+                <a16:creationId xmlns:a16="http://schemas.microsoft.com/office/drawing/2014/main" id="{B1680E60-E58C-4D50-A6B0-C5E6D6B4AAD5}"/>
+              </a:ext>
+            </a:extLst>
+          </p:cNvPr>
+          <p:cNvSpPr>
+            <a:spLocks noGrp="1"/>
+          </p:cNvSpPr>
+          <p:nvPr>
+            <p:ph type="title"/>
+          </p:nvPr>
+        </p:nvSpPr>
+        <p:spPr>
+          <a:xfrm>
+            <a:off x="831850" y="2077085"/>
+            <a:ext cx="10515600" cy="1351915"/>
+          </a:xfrm>
+        </p:spPr>
+        <p:txBody>
+          <a:bodyPr/>
+          <a:lstStyle/>
+          <a:p>
+            <a:pPr algn="ctr"/>
+            <a:r>
+              <a:rPr lang="ko-KR" altLang="en-US" dirty="0"/>
+              <a:t>수고하셨습니다</a:t>
+            </a:r>
+            <a:r>
+              <a:rPr lang="en-US" altLang="ko-KR" dirty="0"/>
+              <a:t>!</a:t>
+            </a:r>
+            <a:endParaRPr lang="ko-KR" altLang="en-US" dirty="0"/>
+          </a:p>
+        </p:txBody>
+      </p:sp>
+      <p:sp>
+        <p:nvSpPr>
+          <p:cNvPr id="5" name="텍스트 개체 틀 4">
+            <a:extLst>
+              <a:ext uri="{FF2B5EF4-FFF2-40B4-BE49-F238E27FC236}">
+                <a16:creationId xmlns:a16="http://schemas.microsoft.com/office/drawing/2014/main" id="{48B64242-ABA7-4080-9386-1D8C0E1009E5}"/>
+              </a:ext>
+            </a:extLst>
+          </p:cNvPr>
+          <p:cNvSpPr>
+            <a:spLocks noGrp="1"/>
+          </p:cNvSpPr>
+          <p:nvPr>
+            <p:ph type="body" idx="1"/>
+          </p:nvPr>
+        </p:nvSpPr>
+        <p:spPr/>
+        <p:txBody>
+          <a:bodyPr/>
+          <a:lstStyle/>
+          <a:p>
+            <a:endParaRPr lang="ko-KR" altLang="en-US"/>
+          </a:p>
+        </p:txBody>
+      </p:sp>
+    </p:spTree>
+    <p:extLst>
+      <p:ext uri="{BB962C8B-B14F-4D97-AF65-F5344CB8AC3E}">
+        <p14:creationId xmlns:p14="http://schemas.microsoft.com/office/powerpoint/2010/main" val="3912238185"/>
       </p:ext>
     </p:extLst>
   </p:cSld>
@@ -11454,15 +11549,6 @@
 </file>
 
 <file path=customXml/item2.xml><?xml version="1.0" encoding="utf-8"?>
-<?mso-contentType ?>
-<FormTemplates xmlns="http://schemas.microsoft.com/sharepoint/v3/contenttype/forms">
-  <Display>DocumentLibraryForm</Display>
-  <Edit>DocumentLibraryForm</Edit>
-  <New>DocumentLibraryForm</New>
-</FormTemplates>
-</file>
-
-<file path=customXml/item3.xml><?xml version="1.0" encoding="utf-8"?>
 <ct:contentTypeSchema xmlns:ct="http://schemas.microsoft.com/office/2006/metadata/contentType" xmlns:ma="http://schemas.microsoft.com/office/2006/metadata/properties/metaAttributes" ct:_="" ma:_="" ma:contentTypeName="문서" ma:contentTypeID="0x010100724BE246D5096A49A61468620B4F694C" ma:contentTypeVersion="2" ma:contentTypeDescription="새 문서를 만듭니다." ma:contentTypeScope="" ma:versionID="ffc1fd754d50385c74eaa0c429a23f87">
   <xsd:schema xmlns:xsd="http://www.w3.org/2001/XMLSchema" xmlns:xs="http://www.w3.org/2001/XMLSchema" xmlns:p="http://schemas.microsoft.com/office/2006/metadata/properties" xmlns:ns3="0e4de794-19e7-4a03-8a25-6601fbe4a2ad" targetNamespace="http://schemas.microsoft.com/office/2006/metadata/properties" ma:root="true" ma:fieldsID="37d4eeb6abfbeb3504662c7bbcc66b17" ns3:_="">
     <xsd:import namespace="0e4de794-19e7-4a03-8a25-6601fbe4a2ad"/>
@@ -11594,6 +11680,15 @@
 </ct:contentTypeSchema>
 </file>
 
+<file path=customXml/item3.xml><?xml version="1.0" encoding="utf-8"?>
+<?mso-contentType ?>
+<FormTemplates xmlns="http://schemas.microsoft.com/sharepoint/v3/contenttype/forms">
+  <Display>DocumentLibraryForm</Display>
+  <Edit>DocumentLibraryForm</Edit>
+  <New>DocumentLibraryForm</New>
+</FormTemplates>
+</file>
+
 <file path=customXml/itemProps1.xml><?xml version="1.0" encoding="utf-8"?>
 <ds:datastoreItem xmlns:ds="http://schemas.openxmlformats.org/officeDocument/2006/customXml" ds:itemID="{78B8425E-138E-4BE1-A1A1-DEAF16F7CC80}">
   <ds:schemaRefs>
@@ -11611,14 +11706,6 @@
 </file>
 
 <file path=customXml/itemProps2.xml><?xml version="1.0" encoding="utf-8"?>
-<ds:datastoreItem xmlns:ds="http://schemas.openxmlformats.org/officeDocument/2006/customXml" ds:itemID="{B94506D1-FFA9-47EE-B148-AFA604BEB1B8}">
-  <ds:schemaRefs>
-    <ds:schemaRef ds:uri="http://schemas.microsoft.com/sharepoint/v3/contenttype/forms"/>
-  </ds:schemaRefs>
-</ds:datastoreItem>
-</file>
-
-<file path=customXml/itemProps3.xml><?xml version="1.0" encoding="utf-8"?>
 <ds:datastoreItem xmlns:ds="http://schemas.openxmlformats.org/officeDocument/2006/customXml" ds:itemID="{08C9C6FB-1032-40F6-99A4-A36D9F16D83B}">
   <ds:schemaRefs>
     <ds:schemaRef ds:uri="http://schemas.microsoft.com/office/2006/metadata/contentType"/>
@@ -11634,4 +11721,12 @@
     <ds:schemaRef ds:uri="http://schemas.microsoft.com/internal/obd"/>
   </ds:schemaRefs>
 </ds:datastoreItem>
+</file>
+
+<file path=customXml/itemProps3.xml><?xml version="1.0" encoding="utf-8"?>
+<ds:datastoreItem xmlns:ds="http://schemas.openxmlformats.org/officeDocument/2006/customXml" ds:itemID="{B94506D1-FFA9-47EE-B148-AFA604BEB1B8}">
+  <ds:schemaRefs>
+    <ds:schemaRef ds:uri="http://schemas.microsoft.com/sharepoint/v3/contenttype/forms"/>
+  </ds:schemaRefs>
+</ds:datastoreItem>
 </file>